--- a/GramsDataObj/images/GRAMS_data_objects.pptx
+++ b/GramsDataObj/images/GRAMS_data_objects.pptx
@@ -114,6 +114,11 @@
       </a:defRPr>
     </a:lvl9pPr>
   </p:defaultTextStyle>
+  <p:extLst>
+    <p:ext uri="{EFAFB233-063F-42B5-8137-9DF3F51BA10A}">
+      <p15:sldGuideLst xmlns:p15="http://schemas.microsoft.com/office/powerpoint/2012/main"/>
+    </p:ext>
+  </p:extLst>
 </p:presentation>
 </file>
 
@@ -199,7 +204,7 @@
           <a:p>
             <a:fld id="{E8532FF9-1E47-2C43-9FF0-9A180AC75E00}" type="datetimeFigureOut">
               <a:rPr lang="en-US" smtClean="0"/>
-              <a:t>6/6/24</a:t>
+              <a:t>6/21/24</a:t>
             </a:fld>
             <a:endParaRPr lang="en-US"/>
           </a:p>
@@ -865,7 +870,7 @@
           <a:p>
             <a:fld id="{1E7FD665-E2A3-B34F-A0E6-B078AA070823}" type="datetimeFigureOut">
               <a:rPr lang="en-US" smtClean="0"/>
-              <a:t>6/6/24</a:t>
+              <a:t>6/21/24</a:t>
             </a:fld>
             <a:endParaRPr lang="en-US"/>
           </a:p>
@@ -1063,7 +1068,7 @@
           <a:p>
             <a:fld id="{1E7FD665-E2A3-B34F-A0E6-B078AA070823}" type="datetimeFigureOut">
               <a:rPr lang="en-US" smtClean="0"/>
-              <a:t>6/6/24</a:t>
+              <a:t>6/21/24</a:t>
             </a:fld>
             <a:endParaRPr lang="en-US"/>
           </a:p>
@@ -1271,7 +1276,7 @@
           <a:p>
             <a:fld id="{1E7FD665-E2A3-B34F-A0E6-B078AA070823}" type="datetimeFigureOut">
               <a:rPr lang="en-US" smtClean="0"/>
-              <a:t>6/6/24</a:t>
+              <a:t>6/21/24</a:t>
             </a:fld>
             <a:endParaRPr lang="en-US"/>
           </a:p>
@@ -1469,7 +1474,7 @@
           <a:p>
             <a:fld id="{1E7FD665-E2A3-B34F-A0E6-B078AA070823}" type="datetimeFigureOut">
               <a:rPr lang="en-US" smtClean="0"/>
-              <a:t>6/6/24</a:t>
+              <a:t>6/21/24</a:t>
             </a:fld>
             <a:endParaRPr lang="en-US"/>
           </a:p>
@@ -1744,7 +1749,7 @@
           <a:p>
             <a:fld id="{1E7FD665-E2A3-B34F-A0E6-B078AA070823}" type="datetimeFigureOut">
               <a:rPr lang="en-US" smtClean="0"/>
-              <a:t>6/6/24</a:t>
+              <a:t>6/21/24</a:t>
             </a:fld>
             <a:endParaRPr lang="en-US"/>
           </a:p>
@@ -2009,7 +2014,7 @@
           <a:p>
             <a:fld id="{1E7FD665-E2A3-B34F-A0E6-B078AA070823}" type="datetimeFigureOut">
               <a:rPr lang="en-US" smtClean="0"/>
-              <a:t>6/6/24</a:t>
+              <a:t>6/21/24</a:t>
             </a:fld>
             <a:endParaRPr lang="en-US"/>
           </a:p>
@@ -2421,7 +2426,7 @@
           <a:p>
             <a:fld id="{1E7FD665-E2A3-B34F-A0E6-B078AA070823}" type="datetimeFigureOut">
               <a:rPr lang="en-US" smtClean="0"/>
-              <a:t>6/6/24</a:t>
+              <a:t>6/21/24</a:t>
             </a:fld>
             <a:endParaRPr lang="en-US"/>
           </a:p>
@@ -2562,7 +2567,7 @@
           <a:p>
             <a:fld id="{1E7FD665-E2A3-B34F-A0E6-B078AA070823}" type="datetimeFigureOut">
               <a:rPr lang="en-US" smtClean="0"/>
-              <a:t>6/6/24</a:t>
+              <a:t>6/21/24</a:t>
             </a:fld>
             <a:endParaRPr lang="en-US"/>
           </a:p>
@@ -2675,7 +2680,7 @@
           <a:p>
             <a:fld id="{1E7FD665-E2A3-B34F-A0E6-B078AA070823}" type="datetimeFigureOut">
               <a:rPr lang="en-US" smtClean="0"/>
-              <a:t>6/6/24</a:t>
+              <a:t>6/21/24</a:t>
             </a:fld>
             <a:endParaRPr lang="en-US"/>
           </a:p>
@@ -2986,7 +2991,7 @@
           <a:p>
             <a:fld id="{1E7FD665-E2A3-B34F-A0E6-B078AA070823}" type="datetimeFigureOut">
               <a:rPr lang="en-US" smtClean="0"/>
-              <a:t>6/6/24</a:t>
+              <a:t>6/21/24</a:t>
             </a:fld>
             <a:endParaRPr lang="en-US"/>
           </a:p>
@@ -3274,7 +3279,7 @@
           <a:p>
             <a:fld id="{1E7FD665-E2A3-B34F-A0E6-B078AA070823}" type="datetimeFigureOut">
               <a:rPr lang="en-US" smtClean="0"/>
-              <a:t>6/6/24</a:t>
+              <a:t>6/21/24</a:t>
             </a:fld>
             <a:endParaRPr lang="en-US"/>
           </a:p>
@@ -3515,7 +3520,7 @@
           <a:p>
             <a:fld id="{1E7FD665-E2A3-B34F-A0E6-B078AA070823}" type="datetimeFigureOut">
               <a:rPr lang="en-US" smtClean="0"/>
-              <a:t>6/6/24</a:t>
+              <a:t>6/21/24</a:t>
             </a:fld>
             <a:endParaRPr lang="en-US"/>
           </a:p>
@@ -3983,7 +3988,7 @@
           <p:nvPr>
             <p:extLst>
               <p:ext uri="{D42A27DB-BD31-4B8C-83A1-F6EECF244321}">
-                <p14:modId xmlns:p14="http://schemas.microsoft.com/office/powerpoint/2010/main" val="2792841430"/>
+                <p14:modId xmlns:p14="http://schemas.microsoft.com/office/powerpoint/2010/main" val="123294587"/>
               </p:ext>
             </p:extLst>
           </p:nvPr>
@@ -4303,7 +4308,7 @@
                     <a:p>
                       <a:r>
                         <a:rPr lang="en-US" sz="1400" dirty="0" err="1"/>
-                        <a:t>MCTrackList</a:t>
+                        <a:t>TrackList</a:t>
                       </a:r>
                       <a:endParaRPr lang="en-US" sz="1400" dirty="0"/>
                     </a:p>
@@ -4317,7 +4322,7 @@
                     <a:p>
                       <a:r>
                         <a:rPr lang="en-US" sz="1400" dirty="0" err="1"/>
-                        <a:t>MCLArHits</a:t>
+                        <a:t>LArHits</a:t>
                       </a:r>
                       <a:endParaRPr lang="en-US" sz="1400" dirty="0"/>
                     </a:p>
@@ -4330,8 +4335,8 @@
                     <a:lstStyle/>
                     <a:p>
                       <a:r>
-                        <a:rPr lang="en-US" sz="1400" dirty="0" err="1"/>
-                        <a:t>MCScintHits</a:t>
+                        <a:rPr lang="en-US" sz="1400"/>
+                        <a:t>ScintHits</a:t>
                       </a:r>
                       <a:endParaRPr lang="en-US" sz="1400" dirty="0"/>
                     </a:p>

--- a/GramsDataObj/images/GRAMS_data_objects.pptx
+++ b/GramsDataObj/images/GRAMS_data_objects.pptx
@@ -4335,7 +4335,7 @@
                     <a:lstStyle/>
                     <a:p>
                       <a:r>
-                        <a:rPr lang="en-US" sz="1400"/>
+                        <a:rPr lang="en-US" sz="1400" dirty="0" err="1"/>
                         <a:t>ScintHits</a:t>
                       </a:r>
                       <a:endParaRPr lang="en-US" sz="1400" dirty="0"/>
@@ -8190,8 +8190,8 @@
               <a:t>	grams::</a:t>
             </a:r>
             <a:r>
-              <a:rPr lang="en-US" sz="1600" dirty="0" err="1"/>
-              <a:t>MCLArHit</a:t>
+              <a:rPr lang="en-US" sz="1600"/>
+              <a:t>MCScintHit</a:t>
             </a:r>
             <a:r>
               <a:rPr lang="en-US" sz="1600" dirty="0"/>
